--- a/AWS배포 샘플.pptx
+++ b/AWS배포 샘플.pptx
@@ -25,8 +25,6 @@
     <p:sldId id="274" r:id="rId19"/>
     <p:sldId id="275" r:id="rId20"/>
     <p:sldId id="276" r:id="rId21"/>
-    <p:sldId id="277" r:id="rId22"/>
-    <p:sldId id="278" r:id="rId23"/>
   </p:sldIdLst>
   <p:sldSz cx="12192000" cy="6858000"/>
   <p:notesSz cx="6858000" cy="9144000"/>
@@ -125,6 +123,11 @@
       </a:defRPr>
     </a:lvl9pPr>
   </p:defaultTextStyle>
+  <p:extLst>
+    <p:ext uri="{EFAFB233-063F-42B5-8137-9DF3F51BA10A}">
+      <p15:sldGuideLst xmlns:p15="http://schemas.microsoft.com/office/powerpoint/2012/main"/>
+    </p:ext>
+  </p:extLst>
 </p:presentation>
 </file>
 
@@ -3430,7 +3433,7 @@
         </p:blipFill>
         <p:spPr>
           <a:xfrm>
-            <a:off x="6241774" y="1095291"/>
+            <a:off x="5963479" y="1403404"/>
             <a:ext cx="5692139" cy="4999559"/>
           </a:xfrm>
           <a:prstGeom prst="rect">
@@ -3460,7 +3463,7 @@
         </p:blipFill>
         <p:spPr>
           <a:xfrm>
-            <a:off x="1080136" y="1252233"/>
+            <a:off x="652753" y="1580225"/>
             <a:ext cx="4744112" cy="4353533"/>
           </a:xfrm>
           <a:prstGeom prst="rect">
@@ -3468,6 +3471,132 @@
           </a:prstGeom>
         </p:spPr>
       </p:pic>
+      <p:sp>
+        <p:nvSpPr>
+          <p:cNvPr id="2" name="TextBox 1">
+            <a:extLst>
+              <a:ext uri="{FF2B5EF4-FFF2-40B4-BE49-F238E27FC236}">
+                <a16:creationId xmlns:a16="http://schemas.microsoft.com/office/drawing/2014/main" id="{DA4CCEB0-46CC-DE4A-A8F5-8AFF73F8FE87}"/>
+              </a:ext>
+            </a:extLst>
+          </p:cNvPr>
+          <p:cNvSpPr txBox="1"/>
+          <p:nvPr/>
+        </p:nvSpPr>
+        <p:spPr>
+          <a:xfrm>
+            <a:off x="1441174" y="327991"/>
+            <a:ext cx="9531626" cy="646331"/>
+          </a:xfrm>
+          <a:prstGeom prst="rect">
+            <a:avLst/>
+          </a:prstGeom>
+          <a:noFill/>
+        </p:spPr>
+        <p:txBody>
+          <a:bodyPr wrap="square" rtlCol="0">
+            <a:spAutoFit/>
+          </a:bodyPr>
+          <a:lstStyle/>
+          <a:p>
+            <a:r>
+              <a:rPr lang="ko-KR" altLang="en-US" dirty="0">
+                <a:solidFill>
+                  <a:schemeClr val="accent2"/>
+                </a:solidFill>
+              </a:rPr>
+              <a:t>프로젝트 경로에 </a:t>
+            </a:r>
+            <a:r>
+              <a:rPr lang="en-US" altLang="ko-KR" dirty="0" err="1">
+                <a:solidFill>
+                  <a:schemeClr val="accent2"/>
+                </a:solidFill>
+              </a:rPr>
+              <a:t>Dockerfile</a:t>
+            </a:r>
+            <a:r>
+              <a:rPr lang="en-US" altLang="ko-KR" dirty="0">
+                <a:solidFill>
+                  <a:schemeClr val="accent2"/>
+                </a:solidFill>
+              </a:rPr>
+              <a:t> </a:t>
+            </a:r>
+            <a:r>
+              <a:rPr lang="ko-KR" altLang="en-US" dirty="0">
+                <a:solidFill>
+                  <a:schemeClr val="accent2"/>
+                </a:solidFill>
+              </a:rPr>
+              <a:t>생성</a:t>
+            </a:r>
+            <a:endParaRPr lang="en-US" altLang="ko-KR" dirty="0">
+              <a:solidFill>
+                <a:schemeClr val="accent2"/>
+              </a:solidFill>
+            </a:endParaRPr>
+          </a:p>
+          <a:p>
+            <a:r>
+              <a:rPr lang="ko-KR" altLang="en-US" dirty="0">
+                <a:solidFill>
+                  <a:schemeClr val="accent2"/>
+                </a:solidFill>
+              </a:rPr>
+              <a:t>프로젝트 경로에 </a:t>
+            </a:r>
+            <a:r>
+              <a:rPr lang="en-US" altLang="ko-KR" dirty="0">
+                <a:solidFill>
+                  <a:schemeClr val="accent2"/>
+                </a:solidFill>
+              </a:rPr>
+              <a:t>.</a:t>
+            </a:r>
+            <a:r>
+              <a:rPr lang="en-US" altLang="ko-KR" dirty="0" err="1">
+                <a:solidFill>
+                  <a:schemeClr val="accent2"/>
+                </a:solidFill>
+              </a:rPr>
+              <a:t>github</a:t>
+            </a:r>
+            <a:r>
+              <a:rPr lang="en-US" altLang="ko-KR" dirty="0">
+                <a:solidFill>
+                  <a:schemeClr val="accent2"/>
+                </a:solidFill>
+              </a:rPr>
+              <a:t>/workflows/</a:t>
+            </a:r>
+            <a:r>
+              <a:rPr lang="en-US" altLang="ko-KR" dirty="0" err="1">
+                <a:solidFill>
+                  <a:schemeClr val="accent2"/>
+                </a:solidFill>
+              </a:rPr>
+              <a:t>cicd.yml</a:t>
+            </a:r>
+            <a:r>
+              <a:rPr lang="en-US" altLang="ko-KR" dirty="0">
+                <a:solidFill>
+                  <a:schemeClr val="accent2"/>
+                </a:solidFill>
+              </a:rPr>
+              <a:t> </a:t>
+            </a:r>
+            <a:r>
+              <a:rPr lang="ko-KR" altLang="en-US" dirty="0">
+                <a:solidFill>
+                  <a:schemeClr val="accent2"/>
+                </a:solidFill>
+              </a:rPr>
+              <a:t>생성</a:t>
+            </a:r>
+          </a:p>
+        </p:txBody>
+      </p:sp>
     </p:spTree>
     <p:extLst>
       <p:ext uri="{BB962C8B-B14F-4D97-AF65-F5344CB8AC3E}">
@@ -3766,6 +3895,106 @@
           </a:p>
         </p:txBody>
       </p:sp>
+      <p:sp>
+        <p:nvSpPr>
+          <p:cNvPr id="2" name="TextBox 1">
+            <a:extLst>
+              <a:ext uri="{FF2B5EF4-FFF2-40B4-BE49-F238E27FC236}">
+                <a16:creationId xmlns:a16="http://schemas.microsoft.com/office/drawing/2014/main" id="{C91E28F1-954A-4C70-C28E-9471D6B50D84}"/>
+              </a:ext>
+            </a:extLst>
+          </p:cNvPr>
+          <p:cNvSpPr txBox="1"/>
+          <p:nvPr/>
+        </p:nvSpPr>
+        <p:spPr>
+          <a:xfrm>
+            <a:off x="327991" y="125351"/>
+            <a:ext cx="11527700" cy="369332"/>
+          </a:xfrm>
+          <a:prstGeom prst="rect">
+            <a:avLst/>
+          </a:prstGeom>
+          <a:noFill/>
+        </p:spPr>
+        <p:txBody>
+          <a:bodyPr wrap="square" rtlCol="0">
+            <a:spAutoFit/>
+          </a:bodyPr>
+          <a:lstStyle/>
+          <a:p>
+            <a:r>
+              <a:rPr lang="ko-KR" altLang="en-US" dirty="0">
+                <a:solidFill>
+                  <a:schemeClr val="accent2"/>
+                </a:solidFill>
+              </a:rPr>
+              <a:t>해당 프로젝트 </a:t>
+            </a:r>
+            <a:r>
+              <a:rPr lang="ko-KR" altLang="en-US" dirty="0" err="1">
+                <a:solidFill>
+                  <a:schemeClr val="accent2"/>
+                </a:solidFill>
+              </a:rPr>
+              <a:t>깃허브</a:t>
+            </a:r>
+            <a:r>
+              <a:rPr lang="ko-KR" altLang="en-US" dirty="0">
+                <a:solidFill>
+                  <a:schemeClr val="accent2"/>
+                </a:solidFill>
+              </a:rPr>
+              <a:t> 업로드 후 </a:t>
+            </a:r>
+            <a:r>
+              <a:rPr lang="en-US" altLang="ko-KR" dirty="0">
+                <a:solidFill>
+                  <a:schemeClr val="accent2"/>
+                </a:solidFill>
+              </a:rPr>
+              <a:t>Settings -&gt;</a:t>
+            </a:r>
+            <a:r>
+              <a:rPr lang="ko-KR" altLang="en-US" dirty="0">
+                <a:solidFill>
+                  <a:schemeClr val="accent2"/>
+                </a:solidFill>
+              </a:rPr>
+              <a:t> </a:t>
+            </a:r>
+            <a:r>
+              <a:rPr lang="en-US" altLang="ko-KR" dirty="0">
+                <a:solidFill>
+                  <a:schemeClr val="accent2"/>
+                </a:solidFill>
+              </a:rPr>
+              <a:t>Secrets</a:t>
+            </a:r>
+            <a:r>
+              <a:rPr lang="ko-KR" altLang="en-US" dirty="0">
+                <a:solidFill>
+                  <a:schemeClr val="accent2"/>
+                </a:solidFill>
+              </a:rPr>
+              <a:t> </a:t>
+            </a:r>
+            <a:r>
+              <a:rPr lang="en-US" altLang="ko-KR" dirty="0">
+                <a:solidFill>
+                  <a:schemeClr val="accent2"/>
+                </a:solidFill>
+              </a:rPr>
+              <a:t>and variables -&gt; Actions -&gt; New repository secret</a:t>
+            </a:r>
+            <a:endParaRPr lang="ko-KR" altLang="en-US" dirty="0">
+              <a:solidFill>
+                <a:schemeClr val="accent2"/>
+              </a:solidFill>
+            </a:endParaRPr>
+          </a:p>
+        </p:txBody>
+      </p:sp>
     </p:spTree>
     <p:extLst>
       <p:ext uri="{BB962C8B-B14F-4D97-AF65-F5344CB8AC3E}">
@@ -4027,6 +4256,69 @@
           </a:p>
         </p:txBody>
       </p:sp>
+      <p:sp>
+        <p:nvSpPr>
+          <p:cNvPr id="2" name="TextBox 1">
+            <a:extLst>
+              <a:ext uri="{FF2B5EF4-FFF2-40B4-BE49-F238E27FC236}">
+                <a16:creationId xmlns:a16="http://schemas.microsoft.com/office/drawing/2014/main" id="{DDB03390-0BD7-A36B-7A58-EEC63CD76DC6}"/>
+              </a:ext>
+            </a:extLst>
+          </p:cNvPr>
+          <p:cNvSpPr txBox="1"/>
+          <p:nvPr/>
+        </p:nvSpPr>
+        <p:spPr>
+          <a:xfrm>
+            <a:off x="327991" y="125351"/>
+            <a:ext cx="11527700" cy="369332"/>
+          </a:xfrm>
+          <a:prstGeom prst="rect">
+            <a:avLst/>
+          </a:prstGeom>
+          <a:noFill/>
+        </p:spPr>
+        <p:txBody>
+          <a:bodyPr wrap="square" rtlCol="0">
+            <a:spAutoFit/>
+          </a:bodyPr>
+          <a:lstStyle/>
+          <a:p>
+            <a:r>
+              <a:rPr lang="ko-KR" altLang="en-US" dirty="0" err="1">
+                <a:solidFill>
+                  <a:schemeClr val="accent2"/>
+                </a:solidFill>
+              </a:rPr>
+              <a:t>도커</a:t>
+            </a:r>
+            <a:r>
+              <a:rPr lang="ko-KR" altLang="en-US" dirty="0">
+                <a:solidFill>
+                  <a:schemeClr val="accent2"/>
+                </a:solidFill>
+              </a:rPr>
+              <a:t> 접속 계정과 환경변수에 쓰일 값들을 </a:t>
+            </a:r>
+            <a:r>
+              <a:rPr lang="ko-KR" altLang="en-US" dirty="0" err="1">
+                <a:solidFill>
+                  <a:schemeClr val="accent2"/>
+                </a:solidFill>
+              </a:rPr>
+              <a:t>한개씩</a:t>
+            </a:r>
+            <a:r>
+              <a:rPr lang="ko-KR" altLang="en-US" dirty="0">
+                <a:solidFill>
+                  <a:schemeClr val="accent2"/>
+                </a:solidFill>
+              </a:rPr>
+              <a:t> 만든다</a:t>
+            </a:r>
+          </a:p>
+        </p:txBody>
+      </p:sp>
     </p:spTree>
     <p:extLst>
       <p:ext uri="{BB962C8B-B14F-4D97-AF65-F5344CB8AC3E}">
@@ -4123,6 +4415,171 @@
           </a:prstGeom>
         </p:spPr>
       </p:pic>
+      <p:sp>
+        <p:nvSpPr>
+          <p:cNvPr id="2" name="TextBox 1">
+            <a:extLst>
+              <a:ext uri="{FF2B5EF4-FFF2-40B4-BE49-F238E27FC236}">
+                <a16:creationId xmlns:a16="http://schemas.microsoft.com/office/drawing/2014/main" id="{852986EC-BD5A-3529-8D6A-56CBF7373C73}"/>
+              </a:ext>
+            </a:extLst>
+          </p:cNvPr>
+          <p:cNvSpPr txBox="1"/>
+          <p:nvPr/>
+        </p:nvSpPr>
+        <p:spPr>
+          <a:xfrm>
+            <a:off x="4532243" y="125351"/>
+            <a:ext cx="7323448" cy="646331"/>
+          </a:xfrm>
+          <a:prstGeom prst="rect">
+            <a:avLst/>
+          </a:prstGeom>
+          <a:noFill/>
+        </p:spPr>
+        <p:txBody>
+          <a:bodyPr wrap="square" rtlCol="0">
+            <a:spAutoFit/>
+          </a:bodyPr>
+          <a:lstStyle/>
+          <a:p>
+            <a:r>
+              <a:rPr lang="ko-KR" altLang="en-US" dirty="0" err="1">
+                <a:solidFill>
+                  <a:schemeClr val="accent2"/>
+                </a:solidFill>
+              </a:rPr>
+              <a:t>도커</a:t>
+            </a:r>
+            <a:r>
+              <a:rPr lang="ko-KR" altLang="en-US" dirty="0">
+                <a:solidFill>
+                  <a:schemeClr val="accent2"/>
+                </a:solidFill>
+              </a:rPr>
+              <a:t> 가입</a:t>
+            </a:r>
+            <a:endParaRPr lang="en-US" altLang="ko-KR" dirty="0">
+              <a:solidFill>
+                <a:schemeClr val="accent2"/>
+              </a:solidFill>
+            </a:endParaRPr>
+          </a:p>
+          <a:p>
+            <a:r>
+              <a:rPr lang="en-US" altLang="ko-KR" dirty="0">
+                <a:solidFill>
+                  <a:schemeClr val="accent2"/>
+                </a:solidFill>
+              </a:rPr>
+              <a:t>USERNAME </a:t>
+            </a:r>
+            <a:r>
+              <a:rPr lang="ko-KR" altLang="en-US" dirty="0">
+                <a:solidFill>
+                  <a:schemeClr val="accent2"/>
+                </a:solidFill>
+              </a:rPr>
+              <a:t>과 비밀번호 확인 필요</a:t>
+            </a:r>
+          </a:p>
+        </p:txBody>
+      </p:sp>
+      <p:sp>
+        <p:nvSpPr>
+          <p:cNvPr id="4" name="TextBox 3">
+            <a:extLst>
+              <a:ext uri="{FF2B5EF4-FFF2-40B4-BE49-F238E27FC236}">
+                <a16:creationId xmlns:a16="http://schemas.microsoft.com/office/drawing/2014/main" id="{29710CAD-6D5B-4D1D-4970-41FC0F344F01}"/>
+              </a:ext>
+            </a:extLst>
+          </p:cNvPr>
+          <p:cNvSpPr txBox="1"/>
+          <p:nvPr/>
+        </p:nvSpPr>
+        <p:spPr>
+          <a:xfrm>
+            <a:off x="4681330" y="4956027"/>
+            <a:ext cx="7323448" cy="369332"/>
+          </a:xfrm>
+          <a:prstGeom prst="rect">
+            <a:avLst/>
+          </a:prstGeom>
+          <a:noFill/>
+        </p:spPr>
+        <p:txBody>
+          <a:bodyPr wrap="square" rtlCol="0">
+            <a:spAutoFit/>
+          </a:bodyPr>
+          <a:lstStyle/>
+          <a:p>
+            <a:r>
+              <a:rPr lang="ko-KR" altLang="en-US" dirty="0" err="1">
+                <a:solidFill>
+                  <a:schemeClr val="accent2"/>
+                </a:solidFill>
+              </a:rPr>
+              <a:t>깃허브</a:t>
+            </a:r>
+            <a:r>
+              <a:rPr lang="ko-KR" altLang="en-US" dirty="0">
+                <a:solidFill>
+                  <a:schemeClr val="accent2"/>
+                </a:solidFill>
+              </a:rPr>
+              <a:t> </a:t>
+            </a:r>
+            <a:r>
+              <a:rPr lang="ko-KR" altLang="en-US" dirty="0" err="1">
+                <a:solidFill>
+                  <a:schemeClr val="accent2"/>
+                </a:solidFill>
+              </a:rPr>
+              <a:t>레포지토리명과</a:t>
+            </a:r>
+            <a:r>
+              <a:rPr lang="ko-KR" altLang="en-US" dirty="0">
+                <a:solidFill>
+                  <a:schemeClr val="accent2"/>
+                </a:solidFill>
+              </a:rPr>
+              <a:t> 동일하게 </a:t>
+            </a:r>
+            <a:r>
+              <a:rPr lang="ko-KR" altLang="en-US" dirty="0" err="1">
+                <a:solidFill>
+                  <a:schemeClr val="accent2"/>
+                </a:solidFill>
+              </a:rPr>
+              <a:t>도커허브</a:t>
+            </a:r>
+            <a:r>
+              <a:rPr lang="ko-KR" altLang="en-US" dirty="0">
+                <a:solidFill>
+                  <a:schemeClr val="accent2"/>
+                </a:solidFill>
+              </a:rPr>
+              <a:t> </a:t>
+            </a:r>
+            <a:r>
+              <a:rPr lang="ko-KR" altLang="en-US" dirty="0" err="1">
+                <a:solidFill>
+                  <a:schemeClr val="accent2"/>
+                </a:solidFill>
+              </a:rPr>
+              <a:t>레포지토리명을</a:t>
+            </a:r>
+            <a:r>
+              <a:rPr lang="ko-KR" altLang="en-US" dirty="0">
+                <a:solidFill>
+                  <a:schemeClr val="accent2"/>
+                </a:solidFill>
+              </a:rPr>
+              <a:t> 만든다</a:t>
+            </a:r>
+          </a:p>
+        </p:txBody>
+      </p:sp>
     </p:spTree>
     <p:extLst>
       <p:ext uri="{BB962C8B-B14F-4D97-AF65-F5344CB8AC3E}">
@@ -4316,6 +4773,66 @@
           <a:p>
             <a:pPr algn="ctr"/>
             <a:endParaRPr lang="ko-KR" altLang="en-US"/>
+          </a:p>
+        </p:txBody>
+      </p:sp>
+      <p:sp>
+        <p:nvSpPr>
+          <p:cNvPr id="2" name="TextBox 1">
+            <a:extLst>
+              <a:ext uri="{FF2B5EF4-FFF2-40B4-BE49-F238E27FC236}">
+                <a16:creationId xmlns:a16="http://schemas.microsoft.com/office/drawing/2014/main" id="{77EE142C-6062-2B9D-077D-2FEF81915436}"/>
+              </a:ext>
+            </a:extLst>
+          </p:cNvPr>
+          <p:cNvSpPr txBox="1"/>
+          <p:nvPr/>
+        </p:nvSpPr>
+        <p:spPr>
+          <a:xfrm>
+            <a:off x="4296139" y="5074145"/>
+            <a:ext cx="7687748" cy="369332"/>
+          </a:xfrm>
+          <a:prstGeom prst="rect">
+            <a:avLst/>
+          </a:prstGeom>
+          <a:noFill/>
+        </p:spPr>
+        <p:txBody>
+          <a:bodyPr wrap="square" rtlCol="0">
+            <a:spAutoFit/>
+          </a:bodyPr>
+          <a:lstStyle/>
+          <a:p>
+            <a:r>
+              <a:rPr lang="ko-KR" altLang="en-US" dirty="0" err="1">
+                <a:solidFill>
+                  <a:schemeClr val="accent2"/>
+                </a:solidFill>
+              </a:rPr>
+              <a:t>깃허브</a:t>
+            </a:r>
+            <a:r>
+              <a:rPr lang="ko-KR" altLang="en-US" dirty="0">
+                <a:solidFill>
+                  <a:schemeClr val="accent2"/>
+                </a:solidFill>
+              </a:rPr>
+              <a:t> 사이드바에서 </a:t>
+            </a:r>
+            <a:r>
+              <a:rPr lang="en-US" altLang="ko-KR" dirty="0">
+                <a:solidFill>
+                  <a:schemeClr val="accent2"/>
+                </a:solidFill>
+              </a:rPr>
+              <a:t>Actions -&gt; Runners -&gt; New self-hosted runner</a:t>
+            </a:r>
+            <a:endParaRPr lang="ko-KR" altLang="en-US" dirty="0">
+              <a:solidFill>
+                <a:schemeClr val="accent2"/>
+              </a:solidFill>
+            </a:endParaRPr>
           </a:p>
         </p:txBody>
       </p:sp>
@@ -4496,8 +5013,8 @@
         </p:nvSpPr>
         <p:spPr>
           <a:xfrm>
-            <a:off x="3257772" y="6400800"/>
-            <a:ext cx="2445026" cy="369332"/>
+            <a:off x="377687" y="6400800"/>
+            <a:ext cx="5325111" cy="369332"/>
           </a:xfrm>
           <a:prstGeom prst="rect">
             <a:avLst/>
@@ -4511,12 +5028,36 @@
           <a:lstStyle/>
           <a:p>
             <a:r>
-              <a:rPr lang="en-US" altLang="ko-KR" dirty="0"/>
+              <a:rPr lang="en-US" altLang="ko-KR" dirty="0">
+                <a:solidFill>
+                  <a:schemeClr val="accent2"/>
+                </a:solidFill>
+              </a:rPr>
+              <a:t>Linux</a:t>
+            </a:r>
+            <a:r>
+              <a:rPr lang="ko-KR" altLang="en-US" dirty="0">
+                <a:solidFill>
+                  <a:schemeClr val="accent2"/>
+                </a:solidFill>
+              </a:rPr>
+              <a:t>를 선택하고 </a:t>
+            </a:r>
+            <a:r>
+              <a:rPr lang="en-US" altLang="ko-KR" dirty="0">
+                <a:solidFill>
+                  <a:schemeClr val="accent2"/>
+                </a:solidFill>
+              </a:rPr>
               <a:t>AWS</a:t>
             </a:r>
             <a:r>
-              <a:rPr lang="ko-KR" altLang="en-US" dirty="0"/>
-              <a:t>에 하나씩 입력</a:t>
+              <a:rPr lang="ko-KR" altLang="en-US" dirty="0">
+                <a:solidFill>
+                  <a:schemeClr val="accent2"/>
+                </a:solidFill>
+              </a:rPr>
+              <a:t>에 하나씩 복사하여 입력</a:t>
             </a:r>
           </a:p>
         </p:txBody>
@@ -4602,7 +5143,7 @@
         <p:spPr>
           <a:xfrm>
             <a:off x="7566990" y="3244333"/>
-            <a:ext cx="3813314" cy="369332"/>
+            <a:ext cx="3813314" cy="646331"/>
           </a:xfrm>
           <a:prstGeom prst="rect">
             <a:avLst/>
@@ -4616,19 +5157,82 @@
           <a:lstStyle/>
           <a:p>
             <a:r>
-              <a:rPr lang="en-US" altLang="ko-KR" dirty="0"/>
+              <a:rPr lang="en-US" altLang="ko-KR" dirty="0">
+                <a:solidFill>
+                  <a:schemeClr val="accent2"/>
+                </a:solidFill>
+              </a:rPr>
+              <a:t>Download</a:t>
+            </a:r>
+            <a:r>
+              <a:rPr lang="ko-KR" altLang="en-US" dirty="0">
+                <a:solidFill>
+                  <a:schemeClr val="accent2"/>
+                </a:solidFill>
+              </a:rPr>
+              <a:t>와 </a:t>
+            </a:r>
+            <a:r>
+              <a:rPr lang="en-US" altLang="ko-KR" dirty="0">
+                <a:solidFill>
+                  <a:schemeClr val="accent2"/>
+                </a:solidFill>
+              </a:rPr>
+              <a:t>Configure </a:t>
+            </a:r>
+            <a:r>
+              <a:rPr lang="ko-KR" altLang="en-US" dirty="0" err="1">
+                <a:solidFill>
+                  <a:schemeClr val="accent2"/>
+                </a:solidFill>
+              </a:rPr>
+              <a:t>복붙</a:t>
+            </a:r>
+            <a:r>
+              <a:rPr lang="ko-KR" altLang="en-US" dirty="0">
+                <a:solidFill>
+                  <a:schemeClr val="accent2"/>
+                </a:solidFill>
+              </a:rPr>
+              <a:t> 후</a:t>
+            </a:r>
+            <a:endParaRPr lang="en-US" altLang="ko-KR" dirty="0">
+              <a:solidFill>
+                <a:schemeClr val="accent2"/>
+              </a:solidFill>
+            </a:endParaRPr>
+          </a:p>
+          <a:p>
+            <a:r>
+              <a:rPr lang="en-US" altLang="ko-KR" dirty="0">
+                <a:solidFill>
+                  <a:schemeClr val="accent2"/>
+                </a:solidFill>
+              </a:rPr>
               <a:t>Connected to </a:t>
             </a:r>
             <a:r>
-              <a:rPr lang="en-US" altLang="ko-KR" dirty="0" err="1"/>
+              <a:rPr lang="en-US" altLang="ko-KR" dirty="0" err="1">
+                <a:solidFill>
+                  <a:schemeClr val="accent2"/>
+                </a:solidFill>
+              </a:rPr>
               <a:t>Github</a:t>
             </a:r>
             <a:r>
-              <a:rPr lang="en-US" altLang="ko-KR" dirty="0"/>
+              <a:rPr lang="en-US" altLang="ko-KR" dirty="0">
+                <a:solidFill>
+                  <a:schemeClr val="accent2"/>
+                </a:solidFill>
+              </a:rPr>
               <a:t> </a:t>
             </a:r>
             <a:r>
-              <a:rPr lang="ko-KR" altLang="en-US" dirty="0"/>
+              <a:rPr lang="ko-KR" altLang="en-US" dirty="0">
+                <a:solidFill>
+                  <a:schemeClr val="accent2"/>
+                </a:solidFill>
+              </a:rPr>
               <a:t>확인</a:t>
             </a:r>
           </a:p>
@@ -4730,7 +5334,7 @@
           <a:p>
             <a:r>
               <a:rPr lang="ko-KR" altLang="en-US" dirty="0"/>
-              <a:t>완료 확인</a:t>
+              <a:t>빌드 및 배포 진행 완료 확인</a:t>
             </a:r>
           </a:p>
         </p:txBody>
@@ -4824,7 +5428,7 @@
         <p:spPr>
           <a:xfrm>
             <a:off x="79513" y="2789691"/>
-            <a:ext cx="12192000" cy="639309"/>
+            <a:ext cx="11569148" cy="639309"/>
           </a:xfrm>
           <a:prstGeom prst="rect">
             <a:avLst/>
@@ -4890,22 +5494,42 @@
           <a:lstStyle/>
           <a:p>
             <a:r>
-              <a:rPr lang="ko-KR" altLang="en-US" dirty="0"/>
+              <a:rPr lang="ko-KR" altLang="en-US" dirty="0">
+                <a:solidFill>
+                  <a:schemeClr val="accent2"/>
+                </a:solidFill>
+              </a:rPr>
               <a:t>규칙 추가해서</a:t>
             </a:r>
-            <a:endParaRPr lang="en-US" altLang="ko-KR" dirty="0"/>
-          </a:p>
-          <a:p>
-            <a:r>
-              <a:rPr lang="ko-KR" altLang="en-US" dirty="0"/>
+            <a:endParaRPr lang="en-US" altLang="ko-KR" dirty="0">
+              <a:solidFill>
+                <a:schemeClr val="accent2"/>
+              </a:solidFill>
+            </a:endParaRPr>
+          </a:p>
+          <a:p>
+            <a:r>
+              <a:rPr lang="ko-KR" altLang="en-US" dirty="0">
+                <a:solidFill>
+                  <a:schemeClr val="accent2"/>
+                </a:solidFill>
+              </a:rPr>
               <a:t>포트 와 접속</a:t>
             </a:r>
             <a:r>
-              <a:rPr lang="en-US" altLang="ko-KR" dirty="0"/>
+              <a:rPr lang="en-US" altLang="ko-KR" dirty="0">
+                <a:solidFill>
+                  <a:schemeClr val="accent2"/>
+                </a:solidFill>
+              </a:rPr>
               <a:t>IP </a:t>
             </a:r>
             <a:r>
-              <a:rPr lang="ko-KR" altLang="en-US" dirty="0"/>
+              <a:rPr lang="ko-KR" altLang="en-US" dirty="0">
+                <a:solidFill>
+                  <a:schemeClr val="accent2"/>
+                </a:solidFill>
+              </a:rPr>
               <a:t>설정</a:t>
             </a:r>
           </a:p>
@@ -4940,22 +5564,42 @@
           <a:lstStyle/>
           <a:p>
             <a:r>
-              <a:rPr lang="ko-KR" altLang="en-US" dirty="0"/>
+              <a:rPr lang="ko-KR" altLang="en-US" dirty="0">
+                <a:solidFill>
+                  <a:schemeClr val="accent2"/>
+                </a:solidFill>
+              </a:rPr>
               <a:t>인스턴스에서 보안</a:t>
             </a:r>
             <a:r>
-              <a:rPr lang="en-US" altLang="ko-KR" dirty="0"/>
+              <a:rPr lang="en-US" altLang="ko-KR" dirty="0">
+                <a:solidFill>
+                  <a:schemeClr val="accent2"/>
+                </a:solidFill>
+              </a:rPr>
               <a:t>(Security </a:t>
             </a:r>
             <a:r>
-              <a:rPr lang="ko-KR" altLang="en-US" dirty="0"/>
+              <a:rPr lang="ko-KR" altLang="en-US" dirty="0">
+                <a:solidFill>
+                  <a:schemeClr val="accent2"/>
+                </a:solidFill>
+              </a:rPr>
               <a:t>접속</a:t>
             </a:r>
             <a:r>
-              <a:rPr lang="en-US" altLang="ko-KR" dirty="0"/>
+              <a:rPr lang="en-US" altLang="ko-KR" dirty="0">
+                <a:solidFill>
+                  <a:schemeClr val="accent2"/>
+                </a:solidFill>
+              </a:rPr>
               <a:t>)</a:t>
             </a:r>
-            <a:endParaRPr lang="ko-KR" altLang="en-US" dirty="0"/>
+            <a:endParaRPr lang="ko-KR" altLang="en-US" dirty="0">
+              <a:solidFill>
+                <a:schemeClr val="accent2"/>
+              </a:solidFill>
+            </a:endParaRPr>
           </a:p>
         </p:txBody>
       </p:sp>
@@ -4988,11 +5632,19 @@
           <a:lstStyle/>
           <a:p>
             <a:r>
-              <a:rPr lang="ko-KR" altLang="en-US" dirty="0" err="1"/>
+              <a:rPr lang="ko-KR" altLang="en-US" dirty="0" err="1">
+                <a:solidFill>
+                  <a:schemeClr val="accent2"/>
+                </a:solidFill>
+              </a:rPr>
               <a:t>인바운드</a:t>
             </a:r>
             <a:r>
-              <a:rPr lang="ko-KR" altLang="en-US" dirty="0"/>
+              <a:rPr lang="ko-KR" altLang="en-US" dirty="0">
+                <a:solidFill>
+                  <a:schemeClr val="accent2"/>
+                </a:solidFill>
+              </a:rPr>
               <a:t> 규칙 편집 클릭</a:t>
             </a:r>
           </a:p>
@@ -5093,11 +5745,19 @@
           <a:lstStyle/>
           <a:p>
             <a:r>
-              <a:rPr lang="en-US" altLang="ko-KR" dirty="0"/>
+              <a:rPr lang="en-US" altLang="ko-KR" dirty="0">
+                <a:solidFill>
+                  <a:schemeClr val="accent2"/>
+                </a:solidFill>
+              </a:rPr>
               <a:t>EC2 </a:t>
             </a:r>
             <a:r>
-              <a:rPr lang="ko-KR" altLang="en-US" dirty="0"/>
+              <a:rPr lang="ko-KR" altLang="en-US" dirty="0">
+                <a:solidFill>
+                  <a:schemeClr val="accent2"/>
+                </a:solidFill>
+              </a:rPr>
               <a:t>인스턴스에 들어가서 주소 확인</a:t>
             </a:r>
           </a:p>
@@ -5281,11 +5941,19 @@
           <a:lstStyle/>
           <a:p>
             <a:r>
-              <a:rPr lang="en-US" altLang="ko-KR" dirty="0"/>
+              <a:rPr lang="en-US" altLang="ko-KR" dirty="0">
+                <a:solidFill>
+                  <a:schemeClr val="accent2"/>
+                </a:solidFill>
+              </a:rPr>
               <a:t>+ </a:t>
             </a:r>
             <a:r>
-              <a:rPr lang="ko-KR" altLang="en-US" dirty="0"/>
+              <a:rPr lang="ko-KR" altLang="en-US" dirty="0">
+                <a:solidFill>
+                  <a:schemeClr val="accent2"/>
+                </a:solidFill>
+              </a:rPr>
               <a:t>를 붙여서 동일한 이메일로 여러 계정 가입할 수 있게</a:t>
             </a:r>
           </a:p>
@@ -5452,7 +6120,7 @@
         <p:spPr>
           <a:xfrm>
             <a:off x="3998843" y="6052930"/>
-            <a:ext cx="4194313" cy="369332"/>
+            <a:ext cx="5910470" cy="369332"/>
           </a:xfrm>
           <a:prstGeom prst="rect">
             <a:avLst/>
@@ -5466,8 +6134,20 @@
           <a:lstStyle/>
           <a:p>
             <a:r>
-              <a:rPr lang="ko-KR" altLang="en-US" dirty="0"/>
-              <a:t>접속 및 배포완료 확인</a:t>
+              <a:rPr lang="en-US" altLang="ko-KR" dirty="0">
+                <a:solidFill>
+                  <a:schemeClr val="accent2"/>
+                </a:solidFill>
+              </a:rPr>
+              <a:t>IP</a:t>
+            </a:r>
+            <a:r>
+              <a:rPr lang="ko-KR" altLang="en-US" dirty="0">
+                <a:solidFill>
+                  <a:schemeClr val="accent2"/>
+                </a:solidFill>
+              </a:rPr>
+              <a:t>와 포트번호 입력해서 접속 및 배포완료 확인</a:t>
             </a:r>
           </a:p>
         </p:txBody>
@@ -5476,78 +6156,6 @@
     <p:extLst>
       <p:ext uri="{BB962C8B-B14F-4D97-AF65-F5344CB8AC3E}">
         <p14:creationId xmlns:p14="http://schemas.microsoft.com/office/powerpoint/2010/main" val="2897309539"/>
-      </p:ext>
-    </p:extLst>
-  </p:cSld>
-  <p:clrMapOvr>
-    <a:masterClrMapping/>
-  </p:clrMapOvr>
-</p:sld>
-</file>
-
-<file path=ppt/slides/slide21.xml><?xml version="1.0" encoding="utf-8"?>
-<p:sld xmlns:a="http://schemas.openxmlformats.org/drawingml/2006/main" xmlns:r="http://schemas.openxmlformats.org/officeDocument/2006/relationships" xmlns:p="http://schemas.openxmlformats.org/presentationml/2006/main">
-  <p:cSld>
-    <p:spTree>
-      <p:nvGrpSpPr>
-        <p:cNvPr id="1" name="">
-          <a:extLst>
-            <a:ext uri="{FF2B5EF4-FFF2-40B4-BE49-F238E27FC236}">
-              <a16:creationId xmlns:a16="http://schemas.microsoft.com/office/drawing/2014/main" id="{F074BB4B-7D9A-A49E-3865-D595620F1889}"/>
-            </a:ext>
-          </a:extLst>
-        </p:cNvPr>
-        <p:cNvGrpSpPr/>
-        <p:nvPr/>
-      </p:nvGrpSpPr>
-      <p:grpSpPr>
-        <a:xfrm>
-          <a:off x="0" y="0"/>
-          <a:ext cx="0" cy="0"/>
-          <a:chOff x="0" y="0"/>
-          <a:chExt cx="0" cy="0"/>
-        </a:xfrm>
-      </p:grpSpPr>
-    </p:spTree>
-    <p:extLst>
-      <p:ext uri="{BB962C8B-B14F-4D97-AF65-F5344CB8AC3E}">
-        <p14:creationId xmlns:p14="http://schemas.microsoft.com/office/powerpoint/2010/main" val="202326412"/>
-      </p:ext>
-    </p:extLst>
-  </p:cSld>
-  <p:clrMapOvr>
-    <a:masterClrMapping/>
-  </p:clrMapOvr>
-</p:sld>
-</file>
-
-<file path=ppt/slides/slide22.xml><?xml version="1.0" encoding="utf-8"?>
-<p:sld xmlns:a="http://schemas.openxmlformats.org/drawingml/2006/main" xmlns:r="http://schemas.openxmlformats.org/officeDocument/2006/relationships" xmlns:p="http://schemas.openxmlformats.org/presentationml/2006/main">
-  <p:cSld>
-    <p:spTree>
-      <p:nvGrpSpPr>
-        <p:cNvPr id="1" name="">
-          <a:extLst>
-            <a:ext uri="{FF2B5EF4-FFF2-40B4-BE49-F238E27FC236}">
-              <a16:creationId xmlns:a16="http://schemas.microsoft.com/office/drawing/2014/main" id="{9F01BFFE-6430-ADB5-1AC0-2A079D931B2D}"/>
-            </a:ext>
-          </a:extLst>
-        </p:cNvPr>
-        <p:cNvGrpSpPr/>
-        <p:nvPr/>
-      </p:nvGrpSpPr>
-      <p:grpSpPr>
-        <a:xfrm>
-          <a:off x="0" y="0"/>
-          <a:ext cx="0" cy="0"/>
-          <a:chOff x="0" y="0"/>
-          <a:chExt cx="0" cy="0"/>
-        </a:xfrm>
-      </p:grpSpPr>
-    </p:spTree>
-    <p:extLst>
-      <p:ext uri="{BB962C8B-B14F-4D97-AF65-F5344CB8AC3E}">
-        <p14:creationId xmlns:p14="http://schemas.microsoft.com/office/powerpoint/2010/main" val="1324614674"/>
       </p:ext>
     </p:extLst>
   </p:cSld>
@@ -5684,6 +6292,45 @@
           </a:prstGeom>
         </p:spPr>
       </p:pic>
+      <p:sp>
+        <p:nvSpPr>
+          <p:cNvPr id="2" name="TextBox 1">
+            <a:extLst>
+              <a:ext uri="{FF2B5EF4-FFF2-40B4-BE49-F238E27FC236}">
+                <a16:creationId xmlns:a16="http://schemas.microsoft.com/office/drawing/2014/main" id="{6C4CABAE-F052-6158-F914-74F1DE2DBFC4}"/>
+              </a:ext>
+            </a:extLst>
+          </p:cNvPr>
+          <p:cNvSpPr txBox="1"/>
+          <p:nvPr/>
+        </p:nvSpPr>
+        <p:spPr>
+          <a:xfrm>
+            <a:off x="2892285" y="5908447"/>
+            <a:ext cx="5351525" cy="369332"/>
+          </a:xfrm>
+          <a:prstGeom prst="rect">
+            <a:avLst/>
+          </a:prstGeom>
+          <a:noFill/>
+        </p:spPr>
+        <p:txBody>
+          <a:bodyPr wrap="square" rtlCol="0">
+            <a:spAutoFit/>
+          </a:bodyPr>
+          <a:lstStyle/>
+          <a:p>
+            <a:r>
+              <a:rPr lang="ko-KR" altLang="en-US" dirty="0">
+                <a:solidFill>
+                  <a:schemeClr val="accent2"/>
+                </a:solidFill>
+              </a:rPr>
+              <a:t>이메일에서 코드 확인 후 입력하기</a:t>
+            </a:r>
+          </a:p>
+        </p:txBody>
+      </p:sp>
     </p:spTree>
     <p:extLst>
       <p:ext uri="{BB962C8B-B14F-4D97-AF65-F5344CB8AC3E}">
@@ -5742,7 +6389,7 @@
         </p:blipFill>
         <p:spPr>
           <a:xfrm>
-            <a:off x="309709" y="648456"/>
+            <a:off x="414667" y="367586"/>
             <a:ext cx="2373857" cy="1958266"/>
           </a:xfrm>
           <a:prstGeom prst="rect">
@@ -5772,7 +6419,7 @@
         </p:blipFill>
         <p:spPr>
           <a:xfrm>
-            <a:off x="3341642" y="823769"/>
+            <a:off x="3073285" y="367586"/>
             <a:ext cx="2870315" cy="2228403"/>
           </a:xfrm>
           <a:prstGeom prst="rect">
@@ -5802,8 +6449,8 @@
         </p:blipFill>
         <p:spPr>
           <a:xfrm>
-            <a:off x="6630248" y="526774"/>
-            <a:ext cx="2812984" cy="3617843"/>
+            <a:off x="6590492" y="129048"/>
+            <a:ext cx="2399551" cy="3086117"/>
           </a:xfrm>
           <a:prstGeom prst="rect">
             <a:avLst/>
@@ -5832,7 +6479,7 @@
         </p:blipFill>
         <p:spPr>
           <a:xfrm>
-            <a:off x="9636419" y="526774"/>
+            <a:off x="9531461" y="129048"/>
             <a:ext cx="2245872" cy="3140765"/>
           </a:xfrm>
           <a:prstGeom prst="rect">
@@ -5862,7 +6509,7 @@
         </p:blipFill>
         <p:spPr>
           <a:xfrm>
-            <a:off x="235467" y="4759984"/>
+            <a:off x="414667" y="3642835"/>
             <a:ext cx="2329895" cy="1836169"/>
           </a:xfrm>
           <a:prstGeom prst="rect">
@@ -5892,7 +6539,7 @@
         </p:blipFill>
         <p:spPr>
           <a:xfrm>
-            <a:off x="2857106" y="4477287"/>
+            <a:off x="2857106" y="3642835"/>
             <a:ext cx="3839385" cy="2003437"/>
           </a:xfrm>
           <a:prstGeom prst="rect">
@@ -5922,7 +6569,7 @@
         </p:blipFill>
         <p:spPr>
           <a:xfrm>
-            <a:off x="6696491" y="4364803"/>
+            <a:off x="6696491" y="3679535"/>
             <a:ext cx="3111453" cy="2228403"/>
           </a:xfrm>
           <a:prstGeom prst="rect">
@@ -5952,7 +6599,7 @@
         </p:blipFill>
         <p:spPr>
           <a:xfrm>
-            <a:off x="9807944" y="4477287"/>
+            <a:off x="9807944" y="3813416"/>
             <a:ext cx="2373441" cy="2094522"/>
           </a:xfrm>
           <a:prstGeom prst="rect">
@@ -5960,6 +6607,74 @@
           </a:prstGeom>
         </p:spPr>
       </p:pic>
+      <p:sp>
+        <p:nvSpPr>
+          <p:cNvPr id="2" name="TextBox 1">
+            <a:extLst>
+              <a:ext uri="{FF2B5EF4-FFF2-40B4-BE49-F238E27FC236}">
+                <a16:creationId xmlns:a16="http://schemas.microsoft.com/office/drawing/2014/main" id="{0DDD5C98-05FC-AF25-02A3-73C2E3D5907D}"/>
+              </a:ext>
+            </a:extLst>
+          </p:cNvPr>
+          <p:cNvSpPr txBox="1"/>
+          <p:nvPr/>
+        </p:nvSpPr>
+        <p:spPr>
+          <a:xfrm>
+            <a:off x="3468757" y="6110642"/>
+            <a:ext cx="5893904" cy="369332"/>
+          </a:xfrm>
+          <a:prstGeom prst="rect">
+            <a:avLst/>
+          </a:prstGeom>
+          <a:noFill/>
+        </p:spPr>
+        <p:txBody>
+          <a:bodyPr wrap="square" rtlCol="0">
+            <a:spAutoFit/>
+          </a:bodyPr>
+          <a:lstStyle/>
+          <a:p>
+            <a:r>
+              <a:rPr lang="ko-KR" altLang="en-US" dirty="0">
+                <a:solidFill>
+                  <a:schemeClr val="accent2"/>
+                </a:solidFill>
+              </a:rPr>
+              <a:t>회원가입 진행 </a:t>
+            </a:r>
+            <a:r>
+              <a:rPr lang="en-US" altLang="ko-KR" dirty="0">
+                <a:solidFill>
+                  <a:schemeClr val="accent2"/>
+                </a:solidFill>
+              </a:rPr>
+              <a:t>(</a:t>
+            </a:r>
+            <a:r>
+              <a:rPr lang="ko-KR" altLang="en-US" dirty="0">
+                <a:solidFill>
+                  <a:schemeClr val="accent2"/>
+                </a:solidFill>
+              </a:rPr>
+              <a:t>해외결제가 가능한 신용카드 필요</a:t>
+            </a:r>
+            <a:r>
+              <a:rPr lang="en-US" altLang="ko-KR" dirty="0">
+                <a:solidFill>
+                  <a:schemeClr val="accent2"/>
+                </a:solidFill>
+              </a:rPr>
+              <a:t>)</a:t>
+            </a:r>
+            <a:endParaRPr lang="ko-KR" altLang="en-US" dirty="0">
+              <a:solidFill>
+                <a:schemeClr val="accent2"/>
+              </a:solidFill>
+            </a:endParaRPr>
+          </a:p>
+        </p:txBody>
+      </p:sp>
     </p:spTree>
     <p:extLst>
       <p:ext uri="{BB962C8B-B14F-4D97-AF65-F5344CB8AC3E}">
@@ -6100,7 +6815,7 @@
         </p:nvSpPr>
         <p:spPr>
           <a:xfrm>
-            <a:off x="5850087" y="2355574"/>
+            <a:off x="7340955" y="2289144"/>
             <a:ext cx="2419270" cy="369332"/>
           </a:xfrm>
           <a:prstGeom prst="rect">
@@ -6115,6 +6830,10 @@
           <a:lstStyle/>
           <a:p>
             <a:r>
+              <a:rPr lang="en-US" altLang="ko-KR" dirty="0"/>
+              <a:t>EC2 </a:t>
+            </a:r>
+            <a:r>
               <a:rPr lang="ko-KR" altLang="en-US" dirty="0"/>
               <a:t>검색 및 클릭</a:t>
             </a:r>
@@ -6151,7 +6870,7 @@
           <a:p>
             <a:r>
               <a:rPr lang="ko-KR" altLang="en-US" dirty="0"/>
-              <a:t>로컬을 서울로 변경하기</a:t>
+              <a:t>로컬지역을 서울로 변경하기</a:t>
             </a:r>
           </a:p>
         </p:txBody>
@@ -6178,7 +6897,7 @@
         </p:blipFill>
         <p:spPr>
           <a:xfrm>
-            <a:off x="5850087" y="3099339"/>
+            <a:off x="7093228" y="3071365"/>
             <a:ext cx="3620005" cy="2810267"/>
           </a:xfrm>
           <a:prstGeom prst="rect">
@@ -6200,7 +6919,7 @@
         </p:nvSpPr>
         <p:spPr>
           <a:xfrm>
-            <a:off x="5850086" y="6099373"/>
+            <a:off x="7093228" y="6109855"/>
             <a:ext cx="3910139" cy="369332"/>
           </a:xfrm>
           <a:prstGeom prst="rect">
@@ -6296,7 +7015,7 @@
         </p:nvSpPr>
         <p:spPr>
           <a:xfrm>
-            <a:off x="1938130" y="1679713"/>
+            <a:off x="7285382" y="468448"/>
             <a:ext cx="4005470" cy="369332"/>
           </a:xfrm>
           <a:prstGeom prst="rect">
@@ -6311,7 +7030,11 @@
           <a:lstStyle/>
           <a:p>
             <a:r>
-              <a:rPr lang="ko-KR" altLang="en-US" dirty="0"/>
+              <a:rPr lang="ko-KR" altLang="en-US" dirty="0">
+                <a:solidFill>
+                  <a:schemeClr val="accent2"/>
+                </a:solidFill>
+              </a:rPr>
               <a:t>인스턴스 시작 클릭</a:t>
             </a:r>
           </a:p>
@@ -6540,7 +7263,7 @@
         </p:blipFill>
         <p:spPr>
           <a:xfrm>
-            <a:off x="5812772" y="1846432"/>
+            <a:off x="5833759" y="1616034"/>
             <a:ext cx="6011992" cy="2011818"/>
           </a:xfrm>
           <a:prstGeom prst="rect">
@@ -6570,7 +7293,7 @@
         </p:blipFill>
         <p:spPr>
           <a:xfrm>
-            <a:off x="7543209" y="3969489"/>
+            <a:off x="6096000" y="3827722"/>
             <a:ext cx="3065784" cy="2888511"/>
           </a:xfrm>
           <a:prstGeom prst="rect">
@@ -6578,6 +7301,166 @@
           </a:prstGeom>
         </p:spPr>
       </p:pic>
+      <p:sp>
+        <p:nvSpPr>
+          <p:cNvPr id="2" name="TextBox 1">
+            <a:extLst>
+              <a:ext uri="{FF2B5EF4-FFF2-40B4-BE49-F238E27FC236}">
+                <a16:creationId xmlns:a16="http://schemas.microsoft.com/office/drawing/2014/main" id="{A20CE341-7C45-65D1-9197-C268901CCB65}"/>
+              </a:ext>
+            </a:extLst>
+          </p:cNvPr>
+          <p:cNvSpPr txBox="1"/>
+          <p:nvPr/>
+        </p:nvSpPr>
+        <p:spPr>
+          <a:xfrm>
+            <a:off x="447260" y="5300419"/>
+            <a:ext cx="4005470" cy="646331"/>
+          </a:xfrm>
+          <a:prstGeom prst="rect">
+            <a:avLst/>
+          </a:prstGeom>
+          <a:noFill/>
+        </p:spPr>
+        <p:txBody>
+          <a:bodyPr wrap="square" rtlCol="0">
+            <a:spAutoFit/>
+          </a:bodyPr>
+          <a:lstStyle/>
+          <a:p>
+            <a:r>
+              <a:rPr lang="ko-KR" altLang="en-US" dirty="0">
+                <a:solidFill>
+                  <a:schemeClr val="accent2"/>
+                </a:solidFill>
+              </a:rPr>
+              <a:t>내 프로젝트 이름 입력 후</a:t>
+            </a:r>
+            <a:endParaRPr lang="en-US" altLang="ko-KR" dirty="0">
+              <a:solidFill>
+                <a:schemeClr val="accent2"/>
+              </a:solidFill>
+            </a:endParaRPr>
+          </a:p>
+          <a:p>
+            <a:r>
+              <a:rPr lang="en-US" altLang="ko-KR" dirty="0">
+                <a:solidFill>
+                  <a:schemeClr val="accent2"/>
+                </a:solidFill>
+              </a:rPr>
+              <a:t>Ubuntu </a:t>
+            </a:r>
+            <a:r>
+              <a:rPr lang="ko-KR" altLang="en-US" dirty="0">
+                <a:solidFill>
+                  <a:schemeClr val="accent2"/>
+                </a:solidFill>
+              </a:rPr>
+              <a:t>선택 </a:t>
+            </a:r>
+            <a:r>
+              <a:rPr lang="en-US" altLang="ko-KR" dirty="0">
+                <a:solidFill>
+                  <a:schemeClr val="accent2"/>
+                </a:solidFill>
+              </a:rPr>
+              <a:t>(</a:t>
+            </a:r>
+            <a:r>
+              <a:rPr lang="ko-KR" altLang="en-US" dirty="0">
+                <a:solidFill>
+                  <a:schemeClr val="accent2"/>
+                </a:solidFill>
+              </a:rPr>
+              <a:t>저렴</a:t>
+            </a:r>
+            <a:r>
+              <a:rPr lang="en-US" altLang="ko-KR" dirty="0">
+                <a:solidFill>
+                  <a:schemeClr val="accent2"/>
+                </a:solidFill>
+              </a:rPr>
+              <a:t>)</a:t>
+            </a:r>
+            <a:endParaRPr lang="ko-KR" altLang="en-US" dirty="0">
+              <a:solidFill>
+                <a:schemeClr val="accent2"/>
+              </a:solidFill>
+            </a:endParaRPr>
+          </a:p>
+        </p:txBody>
+      </p:sp>
+      <p:sp>
+        <p:nvSpPr>
+          <p:cNvPr id="3" name="TextBox 2">
+            <a:extLst>
+              <a:ext uri="{FF2B5EF4-FFF2-40B4-BE49-F238E27FC236}">
+                <a16:creationId xmlns:a16="http://schemas.microsoft.com/office/drawing/2014/main" id="{A17645A6-45F5-8950-10A5-4D3B82F242C6}"/>
+              </a:ext>
+            </a:extLst>
+          </p:cNvPr>
+          <p:cNvSpPr txBox="1"/>
+          <p:nvPr/>
+        </p:nvSpPr>
+        <p:spPr>
+          <a:xfrm>
+            <a:off x="9288117" y="4274246"/>
+            <a:ext cx="2903883" cy="923330"/>
+          </a:xfrm>
+          <a:prstGeom prst="rect">
+            <a:avLst/>
+          </a:prstGeom>
+          <a:noFill/>
+        </p:spPr>
+        <p:txBody>
+          <a:bodyPr wrap="square" rtlCol="0">
+            <a:spAutoFit/>
+          </a:bodyPr>
+          <a:lstStyle/>
+          <a:p>
+            <a:r>
+              <a:rPr lang="ko-KR" altLang="en-US" dirty="0">
+                <a:solidFill>
+                  <a:schemeClr val="accent2"/>
+                </a:solidFill>
+              </a:rPr>
+              <a:t>컴퓨터 스펙 설정 후</a:t>
+            </a:r>
+            <a:endParaRPr lang="en-US" altLang="ko-KR" dirty="0">
+              <a:solidFill>
+                <a:schemeClr val="accent2"/>
+              </a:solidFill>
+            </a:endParaRPr>
+          </a:p>
+          <a:p>
+            <a:r>
+              <a:rPr lang="ko-KR" altLang="en-US" dirty="0">
+                <a:solidFill>
+                  <a:schemeClr val="accent2"/>
+                </a:solidFill>
+              </a:rPr>
+              <a:t>키 페어 생성하여 </a:t>
+            </a:r>
+            <a:endParaRPr lang="en-US" altLang="ko-KR" dirty="0">
+              <a:solidFill>
+                <a:schemeClr val="accent2"/>
+              </a:solidFill>
+            </a:endParaRPr>
+          </a:p>
+          <a:p>
+            <a:r>
+              <a:rPr lang="ko-KR" altLang="en-US" dirty="0">
+                <a:solidFill>
+                  <a:schemeClr val="accent2"/>
+                </a:solidFill>
+              </a:rPr>
+              <a:t>다운로드</a:t>
+            </a:r>
+          </a:p>
+        </p:txBody>
+      </p:sp>
     </p:spTree>
     <p:extLst>
       <p:ext uri="{BB962C8B-B14F-4D97-AF65-F5344CB8AC3E}">
@@ -6774,6 +7657,84 @@
           </a:p>
         </p:txBody>
       </p:sp>
+      <p:sp>
+        <p:nvSpPr>
+          <p:cNvPr id="2" name="TextBox 1">
+            <a:extLst>
+              <a:ext uri="{FF2B5EF4-FFF2-40B4-BE49-F238E27FC236}">
+                <a16:creationId xmlns:a16="http://schemas.microsoft.com/office/drawing/2014/main" id="{D381122F-A00B-BB37-F0A8-180BD951F699}"/>
+              </a:ext>
+            </a:extLst>
+          </p:cNvPr>
+          <p:cNvSpPr txBox="1"/>
+          <p:nvPr/>
+        </p:nvSpPr>
+        <p:spPr>
+          <a:xfrm>
+            <a:off x="8969451" y="676281"/>
+            <a:ext cx="2903883" cy="369332"/>
+          </a:xfrm>
+          <a:prstGeom prst="rect">
+            <a:avLst/>
+          </a:prstGeom>
+          <a:noFill/>
+        </p:spPr>
+        <p:txBody>
+          <a:bodyPr wrap="square" rtlCol="0">
+            <a:spAutoFit/>
+          </a:bodyPr>
+          <a:lstStyle/>
+          <a:p>
+            <a:r>
+              <a:rPr lang="ko-KR" altLang="en-US" dirty="0">
+                <a:solidFill>
+                  <a:schemeClr val="accent2"/>
+                </a:solidFill>
+              </a:rPr>
+              <a:t>인스턴스 클릭하여 접속</a:t>
+            </a:r>
+          </a:p>
+        </p:txBody>
+      </p:sp>
+      <p:sp>
+        <p:nvSpPr>
+          <p:cNvPr id="5" name="TextBox 4">
+            <a:extLst>
+              <a:ext uri="{FF2B5EF4-FFF2-40B4-BE49-F238E27FC236}">
+                <a16:creationId xmlns:a16="http://schemas.microsoft.com/office/drawing/2014/main" id="{21A9228A-B5B7-1B12-C47D-B2F6BB4B0F3D}"/>
+              </a:ext>
+            </a:extLst>
+          </p:cNvPr>
+          <p:cNvSpPr txBox="1"/>
+          <p:nvPr/>
+        </p:nvSpPr>
+        <p:spPr>
+          <a:xfrm>
+            <a:off x="4644058" y="4148419"/>
+            <a:ext cx="2903883" cy="369332"/>
+          </a:xfrm>
+          <a:prstGeom prst="rect">
+            <a:avLst/>
+          </a:prstGeom>
+          <a:noFill/>
+        </p:spPr>
+        <p:txBody>
+          <a:bodyPr wrap="square" rtlCol="0">
+            <a:spAutoFit/>
+          </a:bodyPr>
+          <a:lstStyle/>
+          <a:p>
+            <a:r>
+              <a:rPr lang="ko-KR" altLang="en-US" dirty="0">
+                <a:solidFill>
+                  <a:schemeClr val="accent2"/>
+                </a:solidFill>
+              </a:rPr>
+              <a:t>연결을 클릭하여 활성화</a:t>
+            </a:r>
+          </a:p>
+        </p:txBody>
+      </p:sp>
     </p:spTree>
     <p:extLst>
       <p:ext uri="{BB962C8B-B14F-4D97-AF65-F5344CB8AC3E}">
@@ -6832,8 +7793,8 @@
         </p:blipFill>
         <p:spPr>
           <a:xfrm>
-            <a:off x="258417" y="629477"/>
-            <a:ext cx="5417574" cy="1825487"/>
+            <a:off x="0" y="102704"/>
+            <a:ext cx="10903976" cy="3674166"/>
           </a:xfrm>
           <a:prstGeom prst="rect">
             <a:avLst/>
@@ -6862,8 +7823,8 @@
         </p:blipFill>
         <p:spPr>
           <a:xfrm>
-            <a:off x="509411" y="2931734"/>
-            <a:ext cx="4915586" cy="3229426"/>
+            <a:off x="5115819" y="4488514"/>
+            <a:ext cx="2850015" cy="1872394"/>
           </a:xfrm>
           <a:prstGeom prst="rect">
             <a:avLst/>
@@ -6892,14 +7853,53 @@
         </p:blipFill>
         <p:spPr>
           <a:xfrm>
-            <a:off x="6096000" y="1162879"/>
-            <a:ext cx="5004453" cy="4707836"/>
+            <a:off x="8421757" y="3978963"/>
+            <a:ext cx="3073675" cy="2891496"/>
           </a:xfrm>
           <a:prstGeom prst="rect">
             <a:avLst/>
           </a:prstGeom>
         </p:spPr>
       </p:pic>
+      <p:sp>
+        <p:nvSpPr>
+          <p:cNvPr id="2" name="TextBox 1">
+            <a:extLst>
+              <a:ext uri="{FF2B5EF4-FFF2-40B4-BE49-F238E27FC236}">
+                <a16:creationId xmlns:a16="http://schemas.microsoft.com/office/drawing/2014/main" id="{8D278CCD-5300-E964-78CF-A7B5EC896A3E}"/>
+              </a:ext>
+            </a:extLst>
+          </p:cNvPr>
+          <p:cNvSpPr txBox="1"/>
+          <p:nvPr/>
+        </p:nvSpPr>
+        <p:spPr>
+          <a:xfrm>
+            <a:off x="8263773" y="3609631"/>
+            <a:ext cx="2903883" cy="369332"/>
+          </a:xfrm>
+          <a:prstGeom prst="rect">
+            <a:avLst/>
+          </a:prstGeom>
+          <a:noFill/>
+        </p:spPr>
+        <p:txBody>
+          <a:bodyPr wrap="square" rtlCol="0">
+            <a:spAutoFit/>
+          </a:bodyPr>
+          <a:lstStyle/>
+          <a:p>
+            <a:r>
+              <a:rPr lang="ko-KR" altLang="en-US" dirty="0">
+                <a:solidFill>
+                  <a:schemeClr val="accent2"/>
+                </a:solidFill>
+              </a:rPr>
+              <a:t>주소 확인하고 연결 클릭</a:t>
+            </a:r>
+          </a:p>
+        </p:txBody>
+      </p:sp>
     </p:spTree>
     <p:extLst>
       <p:ext uri="{BB962C8B-B14F-4D97-AF65-F5344CB8AC3E}">
